--- a/business_document/人はなぜ無料で情報を提供するのか/人はなぜ無料で情報を提供するのか.pptx
+++ b/business_document/人はなぜ無料で情報を提供するのか/人はなぜ無料で情報を提供するのか.pptx
@@ -291,7 +291,7 @@
           <a:p>
             <a:fld id="{F1EE1368-1D01-46CE-8ED9-F2F8CAAE040D}" type="datetimeFigureOut">
               <a:rPr kumimoji="1" lang="ja-JP" altLang="en-US" smtClean="0"/>
-              <a:t>2019/12/26</a:t>
+              <a:t>2020/2/27</a:t>
             </a:fld>
             <a:endParaRPr kumimoji="1" lang="ja-JP" altLang="en-US"/>
           </a:p>
@@ -551,7 +551,7 @@
           <a:p>
             <a:fld id="{F1EE1368-1D01-46CE-8ED9-F2F8CAAE040D}" type="datetimeFigureOut">
               <a:rPr kumimoji="1" lang="ja-JP" altLang="en-US" smtClean="0"/>
-              <a:t>2019/12/26</a:t>
+              <a:t>2020/2/27</a:t>
             </a:fld>
             <a:endParaRPr kumimoji="1" lang="ja-JP" altLang="en-US"/>
           </a:p>
@@ -763,7 +763,7 @@
           <a:p>
             <a:fld id="{F1EE1368-1D01-46CE-8ED9-F2F8CAAE040D}" type="datetimeFigureOut">
               <a:rPr kumimoji="1" lang="ja-JP" altLang="en-US" smtClean="0"/>
-              <a:t>2019/12/26</a:t>
+              <a:t>2020/2/27</a:t>
             </a:fld>
             <a:endParaRPr kumimoji="1" lang="ja-JP" altLang="en-US"/>
           </a:p>
@@ -965,7 +965,7 @@
           <a:p>
             <a:fld id="{F1EE1368-1D01-46CE-8ED9-F2F8CAAE040D}" type="datetimeFigureOut">
               <a:rPr kumimoji="1" lang="ja-JP" altLang="en-US" smtClean="0"/>
-              <a:t>2019/12/26</a:t>
+              <a:t>2020/2/27</a:t>
             </a:fld>
             <a:endParaRPr kumimoji="1" lang="ja-JP" altLang="en-US"/>
           </a:p>
@@ -1219,7 +1219,7 @@
           <a:p>
             <a:fld id="{F1EE1368-1D01-46CE-8ED9-F2F8CAAE040D}" type="datetimeFigureOut">
               <a:rPr kumimoji="1" lang="ja-JP" altLang="en-US" smtClean="0"/>
-              <a:t>2019/12/26</a:t>
+              <a:t>2020/2/27</a:t>
             </a:fld>
             <a:endParaRPr kumimoji="1" lang="ja-JP" altLang="en-US"/>
           </a:p>
@@ -1609,7 +1609,7 @@
           <a:p>
             <a:fld id="{F1EE1368-1D01-46CE-8ED9-F2F8CAAE040D}" type="datetimeFigureOut">
               <a:rPr kumimoji="1" lang="ja-JP" altLang="en-US" smtClean="0"/>
-              <a:t>2019/12/26</a:t>
+              <a:t>2020/2/27</a:t>
             </a:fld>
             <a:endParaRPr kumimoji="1" lang="ja-JP" altLang="en-US"/>
           </a:p>
@@ -2124,7 +2124,7 @@
           <a:p>
             <a:fld id="{F1EE1368-1D01-46CE-8ED9-F2F8CAAE040D}" type="datetimeFigureOut">
               <a:rPr kumimoji="1" lang="ja-JP" altLang="en-US" smtClean="0"/>
-              <a:t>2019/12/26</a:t>
+              <a:t>2020/2/27</a:t>
             </a:fld>
             <a:endParaRPr kumimoji="1" lang="ja-JP" altLang="en-US"/>
           </a:p>
@@ -2242,7 +2242,7 @@
           <a:p>
             <a:fld id="{F1EE1368-1D01-46CE-8ED9-F2F8CAAE040D}" type="datetimeFigureOut">
               <a:rPr kumimoji="1" lang="ja-JP" altLang="en-US" smtClean="0"/>
-              <a:t>2019/12/26</a:t>
+              <a:t>2020/2/27</a:t>
             </a:fld>
             <a:endParaRPr kumimoji="1" lang="ja-JP" altLang="en-US"/>
           </a:p>
@@ -2337,7 +2337,7 @@
           <a:p>
             <a:fld id="{F1EE1368-1D01-46CE-8ED9-F2F8CAAE040D}" type="datetimeFigureOut">
               <a:rPr kumimoji="1" lang="ja-JP" altLang="en-US" smtClean="0"/>
-              <a:t>2019/12/26</a:t>
+              <a:t>2020/2/27</a:t>
             </a:fld>
             <a:endParaRPr kumimoji="1" lang="ja-JP" altLang="en-US"/>
           </a:p>
@@ -2656,7 +2656,7 @@
           <a:p>
             <a:fld id="{F1EE1368-1D01-46CE-8ED9-F2F8CAAE040D}" type="datetimeFigureOut">
               <a:rPr kumimoji="1" lang="ja-JP" altLang="en-US" smtClean="0"/>
-              <a:t>2019/12/26</a:t>
+              <a:t>2020/2/27</a:t>
             </a:fld>
             <a:endParaRPr kumimoji="1" lang="ja-JP" altLang="en-US"/>
           </a:p>
@@ -2978,7 +2978,7 @@
           <a:p>
             <a:fld id="{F1EE1368-1D01-46CE-8ED9-F2F8CAAE040D}" type="datetimeFigureOut">
               <a:rPr kumimoji="1" lang="ja-JP" altLang="en-US" smtClean="0"/>
-              <a:t>2019/12/26</a:t>
+              <a:t>2020/2/27</a:t>
             </a:fld>
             <a:endParaRPr kumimoji="1" lang="ja-JP" altLang="en-US"/>
           </a:p>
@@ -3264,7 +3264,7 @@
           <a:p>
             <a:fld id="{F1EE1368-1D01-46CE-8ED9-F2F8CAAE040D}" type="datetimeFigureOut">
               <a:rPr kumimoji="1" lang="ja-JP" altLang="en-US" smtClean="0"/>
-              <a:t>2019/12/26</a:t>
+              <a:t>2020/2/27</a:t>
             </a:fld>
             <a:endParaRPr kumimoji="1" lang="ja-JP" altLang="en-US"/>
           </a:p>
@@ -4863,7 +4863,7 @@
             </a:r>
             <a:r>
               <a:rPr lang="ja-JP" altLang="en-US" sz="2400" dirty="0"/>
-              <a:t>提供しただけで</a:t>
+              <a:t>提供されただけで</a:t>
             </a:r>
             <a:r>
               <a:rPr kumimoji="1" lang="ja-JP" altLang="en-US" sz="2400" dirty="0"/>
@@ -4887,7 +4887,7 @@
             </a:r>
             <a:r>
               <a:rPr lang="ja-JP" altLang="en-US" sz="2400" dirty="0"/>
-              <a:t>　様々な情報を提供している</a:t>
+              <a:t>　様々な情報をユーザーは提供している</a:t>
             </a:r>
             <a:endParaRPr lang="en-US" altLang="ja-JP" sz="2400" dirty="0"/>
           </a:p>
